--- a/수업예제/24-1방과후수업(python)/방과후수업_번역기 만들기.pptx
+++ b/수업예제/24-1방과후수업(python)/방과후수업_번역기 만들기.pptx
@@ -8,7 +8,10 @@
     <p:sldId id="256" r:id="rId2"/>
     <p:sldId id="258" r:id="rId3"/>
     <p:sldId id="259" r:id="rId4"/>
-    <p:sldId id="260" r:id="rId5"/>
+    <p:sldId id="261" r:id="rId5"/>
+    <p:sldId id="262" r:id="rId6"/>
+    <p:sldId id="263" r:id="rId7"/>
+    <p:sldId id="260" r:id="rId8"/>
   </p:sldIdLst>
   <p:sldSz cx="12192000" cy="6858000"/>
   <p:notesSz cx="6858000" cy="9144000"/>
@@ -285,7 +288,7 @@
             <a:fld id="{87DE6118-2437-4B30-8E3C-4D2BE6020583}" type="datetimeFigureOut">
               <a:rPr lang="en-US" dirty="0"/>
               <a:pPr/>
-              <a:t>7/23/2024</a:t>
+              <a:t>7/25/2024</a:t>
             </a:fld>
             <a:endParaRPr lang="en-US" dirty="0"/>
           </a:p>
@@ -611,7 +614,7 @@
           <a:p>
             <a:fld id="{87DE6118-2437-4B30-8E3C-4D2BE6020583}" type="datetimeFigureOut">
               <a:rPr lang="en-US" dirty="0"/>
-              <a:t>7/23/2024</a:t>
+              <a:t>7/25/2024</a:t>
             </a:fld>
             <a:endParaRPr lang="en-US" dirty="0"/>
           </a:p>
@@ -786,7 +789,7 @@
           <a:p>
             <a:fld id="{87DE6118-2437-4B30-8E3C-4D2BE6020583}" type="datetimeFigureOut">
               <a:rPr lang="en-US" dirty="0"/>
-              <a:t>7/23/2024</a:t>
+              <a:t>7/25/2024</a:t>
             </a:fld>
             <a:endParaRPr lang="en-US" dirty="0"/>
           </a:p>
@@ -951,7 +954,7 @@
           <a:p>
             <a:fld id="{87DE6118-2437-4B30-8E3C-4D2BE6020583}" type="datetimeFigureOut">
               <a:rPr lang="en-US" dirty="0"/>
-              <a:t>7/23/2024</a:t>
+              <a:t>7/25/2024</a:t>
             </a:fld>
             <a:endParaRPr lang="en-US" dirty="0"/>
           </a:p>
@@ -1224,7 +1227,7 @@
             <a:fld id="{87DE6118-2437-4B30-8E3C-4D2BE6020583}" type="datetimeFigureOut">
               <a:rPr lang="en-US" dirty="0"/>
               <a:pPr/>
-              <a:t>7/23/2024</a:t>
+              <a:t>7/25/2024</a:t>
             </a:fld>
             <a:endParaRPr lang="en-US" dirty="0"/>
           </a:p>
@@ -1614,7 +1617,7 @@
           <a:p>
             <a:fld id="{87DE6118-2437-4B30-8E3C-4D2BE6020583}" type="datetimeFigureOut">
               <a:rPr lang="en-US" dirty="0"/>
-              <a:t>7/23/2024</a:t>
+              <a:t>7/25/2024</a:t>
             </a:fld>
             <a:endParaRPr lang="en-US" dirty="0"/>
           </a:p>
@@ -2086,7 +2089,7 @@
           <a:p>
             <a:fld id="{87DE6118-2437-4B30-8E3C-4D2BE6020583}" type="datetimeFigureOut">
               <a:rPr lang="en-US" dirty="0"/>
-              <a:t>7/23/2024</a:t>
+              <a:t>7/25/2024</a:t>
             </a:fld>
             <a:endParaRPr lang="en-US" dirty="0"/>
           </a:p>
@@ -2199,7 +2202,7 @@
           <a:p>
             <a:fld id="{87DE6118-2437-4B30-8E3C-4D2BE6020583}" type="datetimeFigureOut">
               <a:rPr lang="en-US" dirty="0"/>
-              <a:t>7/23/2024</a:t>
+              <a:t>7/25/2024</a:t>
             </a:fld>
             <a:endParaRPr lang="en-US" dirty="0"/>
           </a:p>
@@ -2289,7 +2292,7 @@
           <a:p>
             <a:fld id="{87DE6118-2437-4B30-8E3C-4D2BE6020583}" type="datetimeFigureOut">
               <a:rPr lang="en-US" dirty="0"/>
-              <a:t>7/23/2024</a:t>
+              <a:t>7/25/2024</a:t>
             </a:fld>
             <a:endParaRPr lang="en-US" dirty="0"/>
           </a:p>
@@ -2631,7 +2634,7 @@
             <a:fld id="{87DE6118-2437-4B30-8E3C-4D2BE6020583}" type="datetimeFigureOut">
               <a:rPr lang="en-US" dirty="0"/>
               <a:pPr/>
-              <a:t>7/23/2024</a:t>
+              <a:t>7/25/2024</a:t>
             </a:fld>
             <a:endParaRPr lang="en-US" dirty="0"/>
           </a:p>
@@ -3016,7 +3019,7 @@
             <a:fld id="{87DE6118-2437-4B30-8E3C-4D2BE6020583}" type="datetimeFigureOut">
               <a:rPr lang="en-US" dirty="0"/>
               <a:pPr/>
-              <a:t>7/23/2024</a:t>
+              <a:t>7/25/2024</a:t>
             </a:fld>
             <a:endParaRPr lang="en-US" dirty="0"/>
           </a:p>
@@ -3291,7 +3294,7 @@
             <a:fld id="{87DE6118-2437-4B30-8E3C-4D2BE6020583}" type="datetimeFigureOut">
               <a:rPr lang="en-US" dirty="0"/>
               <a:pPr/>
-              <a:t>7/23/2024</a:t>
+              <a:t>7/25/2024</a:t>
             </a:fld>
             <a:endParaRPr lang="en-US" dirty="0"/>
           </a:p>
@@ -3826,8 +3829,13 @@
             </a:pPr>
             <a:r>
               <a:rPr lang="en-US" altLang="ko-KR" sz="3600" dirty="0"/>
-              <a:t>python_calss6</a:t>
-            </a:r>
+              <a:t>python_</a:t>
+            </a:r>
+            <a:r>
+              <a:rPr lang="ko-KR" altLang="en-US" sz="3600" dirty="0"/>
+              <a:t>번역기 만들기</a:t>
+            </a:r>
+            <a:endParaRPr lang="en-US" altLang="ko-KR" sz="3600" dirty="0"/>
           </a:p>
         </p:txBody>
       </p:sp>
@@ -4124,9 +4132,12 @@
           <a:p>
             <a:r>
               <a:rPr lang="en-US" altLang="ko-KR" dirty="0"/>
-              <a:t>API Test</a:t>
-            </a:r>
-            <a:endParaRPr lang="ko-KR" altLang="en-US" dirty="0"/>
+              <a:t>API </a:t>
+            </a:r>
+            <a:r>
+              <a:rPr lang="ko-KR" altLang="en-US" dirty="0"/>
+              <a:t>예제</a:t>
+            </a:r>
           </a:p>
         </p:txBody>
       </p:sp>
@@ -4657,24 +4668,64 @@
         </p:nvSpPr>
         <p:spPr>
           <a:xfrm>
-            <a:off x="708869" y="427839"/>
-            <a:ext cx="5465427" cy="755009"/>
+            <a:off x="708869" y="324322"/>
+            <a:ext cx="5387130" cy="755009"/>
           </a:xfrm>
         </p:spPr>
         <p:txBody>
           <a:bodyPr>
-            <a:normAutofit fontScale="90000"/>
+            <a:normAutofit/>
           </a:bodyPr>
           <a:lstStyle/>
           <a:p>
             <a:r>
-              <a:rPr lang="ko-KR" altLang="en-US" dirty="0" err="1"/>
-              <a:t>파파고</a:t>
-            </a:r>
-            <a:r>
-              <a:rPr lang="ko-KR" altLang="en-US" dirty="0"/>
-              <a:t>  번역기 만들기</a:t>
-            </a:r>
+              <a:rPr lang="en-US" altLang="ko-KR" b="0" dirty="0" err="1">
+                <a:solidFill>
+                  <a:schemeClr val="tx1"/>
+                </a:solidFill>
+                <a:effectLst/>
+                <a:latin typeface="+mj-ea"/>
+              </a:rPr>
+              <a:t>DeepL</a:t>
+            </a:r>
+            <a:r>
+              <a:rPr lang="en-US" altLang="ko-KR" b="0" dirty="0">
+                <a:solidFill>
+                  <a:schemeClr val="tx1"/>
+                </a:solidFill>
+                <a:effectLst/>
+                <a:latin typeface="+mj-ea"/>
+              </a:rPr>
+              <a:t> </a:t>
+            </a:r>
+            <a:r>
+              <a:rPr lang="en-US" altLang="ko-KR" dirty="0">
+                <a:solidFill>
+                  <a:schemeClr val="tx1"/>
+                </a:solidFill>
+                <a:latin typeface="+mj-ea"/>
+              </a:rPr>
+              <a:t>API </a:t>
+            </a:r>
+            <a:r>
+              <a:rPr lang="ko-KR" altLang="en-US" dirty="0">
+                <a:solidFill>
+                  <a:schemeClr val="tx1"/>
+                </a:solidFill>
+                <a:latin typeface="+mj-ea"/>
+              </a:rPr>
+              <a:t>과제 </a:t>
+            </a:r>
+            <a:r>
+              <a:rPr lang="en-US" altLang="ko-KR" dirty="0">
+                <a:solidFill>
+                  <a:schemeClr val="tx1"/>
+                </a:solidFill>
+                <a:latin typeface="+mj-ea"/>
+              </a:rPr>
+              <a:t>1</a:t>
+            </a:r>
+            <a:endParaRPr lang="ko-KR" altLang="en-US" dirty="0"/>
           </a:p>
         </p:txBody>
       </p:sp>
@@ -4683,7 +4734,7 @@
           <p:cNvPr id="5" name="그림 4">
             <a:extLst>
               <a:ext uri="{FF2B5EF4-FFF2-40B4-BE49-F238E27FC236}">
-                <a16:creationId xmlns:a16="http://schemas.microsoft.com/office/drawing/2014/main" id="{E2E7F46F-DDC8-1DC8-3EB7-A333F818A074}"/>
+                <a16:creationId xmlns:a16="http://schemas.microsoft.com/office/drawing/2014/main" id="{7C24396E-063E-FA77-511B-930DAA0B68E8}"/>
               </a:ext>
             </a:extLst>
           </p:cNvPr>
@@ -4700,20 +4751,900 @@
         </p:blipFill>
         <p:spPr>
           <a:xfrm>
-            <a:off x="1408086" y="2684739"/>
-            <a:ext cx="2902676" cy="1869263"/>
+            <a:off x="2412518" y="2029519"/>
+            <a:ext cx="7366961" cy="2798961"/>
           </a:xfrm>
           <a:prstGeom prst="rect">
             <a:avLst/>
           </a:prstGeom>
         </p:spPr>
       </p:pic>
+      <p:sp>
+        <p:nvSpPr>
+          <p:cNvPr id="6" name="TextBox 5">
+            <a:extLst>
+              <a:ext uri="{FF2B5EF4-FFF2-40B4-BE49-F238E27FC236}">
+                <a16:creationId xmlns:a16="http://schemas.microsoft.com/office/drawing/2014/main" id="{BC600584-0267-7448-99CD-BC56085DC132}"/>
+              </a:ext>
+            </a:extLst>
+          </p:cNvPr>
+          <p:cNvSpPr txBox="1"/>
+          <p:nvPr/>
+        </p:nvSpPr>
+        <p:spPr>
+          <a:xfrm>
+            <a:off x="1765537" y="1473782"/>
+            <a:ext cx="7622600" cy="369332"/>
+          </a:xfrm>
+          <a:prstGeom prst="rect">
+            <a:avLst/>
+          </a:prstGeom>
+          <a:noFill/>
+        </p:spPr>
+        <p:txBody>
+          <a:bodyPr wrap="none" rtlCol="0">
+            <a:spAutoFit/>
+          </a:bodyPr>
+          <a:lstStyle/>
+          <a:p>
+            <a:pPr marL="342900" indent="-342900">
+              <a:buAutoNum type="arabicPeriod"/>
+            </a:pPr>
+            <a:r>
+              <a:rPr lang="ko-KR" altLang="en-US" dirty="0">
+                <a:latin typeface="Nanum Barun Gothic"/>
+              </a:rPr>
+              <a:t>한국어를 특정 언어로 번역 하게 만들기</a:t>
+            </a:r>
+            <a:r>
+              <a:rPr lang="en-US" altLang="ko-KR" dirty="0">
+                <a:latin typeface="Nanum Barun Gothic"/>
+              </a:rPr>
+              <a:t>. </a:t>
+            </a:r>
+            <a:r>
+              <a:rPr lang="ko-KR" altLang="en-US" dirty="0">
+                <a:latin typeface="Nanum Barun Gothic"/>
+              </a:rPr>
+              <a:t>언어 코드는 </a:t>
+            </a:r>
+            <a:r>
+              <a:rPr lang="en-US" altLang="ko-KR" b="0" i="0" dirty="0">
+                <a:solidFill>
+                  <a:srgbClr val="111111"/>
+                </a:solidFill>
+                <a:effectLst/>
+                <a:highlight>
+                  <a:srgbClr val="FFFFFF"/>
+                </a:highlight>
+                <a:latin typeface="-apple-system"/>
+                <a:hlinkClick r:id="rId3"/>
+              </a:rPr>
+              <a:t>ISO 639-1 </a:t>
+            </a:r>
+            <a:r>
+              <a:rPr lang="ko-KR" altLang="en-US" b="0" i="0" dirty="0">
+                <a:solidFill>
+                  <a:srgbClr val="111111"/>
+                </a:solidFill>
+                <a:effectLst/>
+                <a:highlight>
+                  <a:srgbClr val="FFFFFF"/>
+                </a:highlight>
+                <a:latin typeface="-apple-system"/>
+              </a:rPr>
+              <a:t>표 참조</a:t>
+            </a:r>
+            <a:r>
+              <a:rPr lang="en-US" altLang="ko-KR" b="0" i="0" dirty="0">
+                <a:solidFill>
+                  <a:srgbClr val="111111"/>
+                </a:solidFill>
+                <a:effectLst/>
+                <a:highlight>
+                  <a:srgbClr val="FFFFFF"/>
+                </a:highlight>
+                <a:latin typeface="-apple-system"/>
+              </a:rPr>
+              <a:t>.</a:t>
+            </a:r>
+          </a:p>
+        </p:txBody>
+      </p:sp>
+    </p:spTree>
+    <p:extLst>
+      <p:ext uri="{BB962C8B-B14F-4D97-AF65-F5344CB8AC3E}">
+        <p14:creationId xmlns:p14="http://schemas.microsoft.com/office/powerpoint/2010/main" val="4033255019"/>
+      </p:ext>
+    </p:extLst>
+  </p:cSld>
+  <p:clrMapOvr>
+    <a:masterClrMapping/>
+  </p:clrMapOvr>
+</p:sld>
+</file>
+
+<file path=ppt/slides/slide5.xml><?xml version="1.0" encoding="utf-8"?>
+<p:sld xmlns:a="http://schemas.openxmlformats.org/drawingml/2006/main" xmlns:r="http://schemas.openxmlformats.org/officeDocument/2006/relationships" xmlns:p="http://schemas.openxmlformats.org/presentationml/2006/main">
+  <p:cSld>
+    <p:spTree>
+      <p:nvGrpSpPr>
+        <p:cNvPr id="1" name=""/>
+        <p:cNvGrpSpPr/>
+        <p:nvPr/>
+      </p:nvGrpSpPr>
+      <p:grpSpPr>
+        <a:xfrm>
+          <a:off x="0" y="0"/>
+          <a:ext cx="0" cy="0"/>
+          <a:chOff x="0" y="0"/>
+          <a:chExt cx="0" cy="0"/>
+        </a:xfrm>
+      </p:grpSpPr>
       <p:pic>
         <p:nvPicPr>
-          <p:cNvPr id="7" name="그림 6">
+          <p:cNvPr id="8" name="그림 7">
             <a:extLst>
               <a:ext uri="{FF2B5EF4-FFF2-40B4-BE49-F238E27FC236}">
-                <a16:creationId xmlns:a16="http://schemas.microsoft.com/office/drawing/2014/main" id="{29011429-6C33-AC59-F21D-BDE6E7A0794F}"/>
+                <a16:creationId xmlns:a16="http://schemas.microsoft.com/office/drawing/2014/main" id="{1CE309F1-5D47-4507-1D57-4ED96757FF23}"/>
+              </a:ext>
+            </a:extLst>
+          </p:cNvPr>
+          <p:cNvPicPr>
+            <a:picLocks noChangeAspect="1"/>
+          </p:cNvPicPr>
+          <p:nvPr/>
+        </p:nvPicPr>
+        <p:blipFill>
+          <a:blip r:embed="rId2"/>
+          <a:stretch>
+            <a:fillRect/>
+          </a:stretch>
+        </p:blipFill>
+        <p:spPr>
+          <a:xfrm>
+            <a:off x="2412518" y="2068046"/>
+            <a:ext cx="7366961" cy="2760433"/>
+          </a:xfrm>
+          <a:prstGeom prst="rect">
+            <a:avLst/>
+          </a:prstGeom>
+        </p:spPr>
+      </p:pic>
+      <p:sp>
+        <p:nvSpPr>
+          <p:cNvPr id="2" name="제목 1">
+            <a:extLst>
+              <a:ext uri="{FF2B5EF4-FFF2-40B4-BE49-F238E27FC236}">
+                <a16:creationId xmlns:a16="http://schemas.microsoft.com/office/drawing/2014/main" id="{31890308-3CB1-92A0-D986-932B45C23200}"/>
+              </a:ext>
+            </a:extLst>
+          </p:cNvPr>
+          <p:cNvSpPr>
+            <a:spLocks noGrp="1"/>
+          </p:cNvSpPr>
+          <p:nvPr>
+            <p:ph type="title"/>
+          </p:nvPr>
+        </p:nvSpPr>
+        <p:spPr>
+          <a:xfrm>
+            <a:off x="708869" y="324322"/>
+            <a:ext cx="5387130" cy="755009"/>
+          </a:xfrm>
+        </p:spPr>
+        <p:txBody>
+          <a:bodyPr>
+            <a:normAutofit/>
+          </a:bodyPr>
+          <a:lstStyle/>
+          <a:p>
+            <a:r>
+              <a:rPr lang="en-US" altLang="ko-KR" b="0" dirty="0" err="1">
+                <a:solidFill>
+                  <a:schemeClr val="tx1"/>
+                </a:solidFill>
+                <a:effectLst/>
+                <a:latin typeface="+mj-ea"/>
+              </a:rPr>
+              <a:t>DeepL</a:t>
+            </a:r>
+            <a:r>
+              <a:rPr lang="en-US" altLang="ko-KR" b="0" dirty="0">
+                <a:solidFill>
+                  <a:schemeClr val="tx1"/>
+                </a:solidFill>
+                <a:effectLst/>
+                <a:latin typeface="+mj-ea"/>
+              </a:rPr>
+              <a:t> </a:t>
+            </a:r>
+            <a:r>
+              <a:rPr lang="en-US" altLang="ko-KR" dirty="0">
+                <a:solidFill>
+                  <a:schemeClr val="tx1"/>
+                </a:solidFill>
+                <a:latin typeface="+mj-ea"/>
+              </a:rPr>
+              <a:t>API </a:t>
+            </a:r>
+            <a:r>
+              <a:rPr lang="ko-KR" altLang="en-US" dirty="0">
+                <a:solidFill>
+                  <a:schemeClr val="tx1"/>
+                </a:solidFill>
+                <a:latin typeface="+mj-ea"/>
+              </a:rPr>
+              <a:t>과제 </a:t>
+            </a:r>
+            <a:r>
+              <a:rPr lang="en-US" altLang="ko-KR" dirty="0">
+                <a:solidFill>
+                  <a:schemeClr val="tx1"/>
+                </a:solidFill>
+                <a:latin typeface="+mj-ea"/>
+              </a:rPr>
+              <a:t>2</a:t>
+            </a:r>
+            <a:endParaRPr lang="ko-KR" altLang="en-US" dirty="0"/>
+          </a:p>
+        </p:txBody>
+      </p:sp>
+      <p:sp>
+        <p:nvSpPr>
+          <p:cNvPr id="6" name="TextBox 5">
+            <a:extLst>
+              <a:ext uri="{FF2B5EF4-FFF2-40B4-BE49-F238E27FC236}">
+                <a16:creationId xmlns:a16="http://schemas.microsoft.com/office/drawing/2014/main" id="{BC600584-0267-7448-99CD-BC56085DC132}"/>
+              </a:ext>
+            </a:extLst>
+          </p:cNvPr>
+          <p:cNvSpPr txBox="1"/>
+          <p:nvPr/>
+        </p:nvSpPr>
+        <p:spPr>
+          <a:xfrm>
+            <a:off x="1765537" y="1473782"/>
+            <a:ext cx="8084264" cy="369332"/>
+          </a:xfrm>
+          <a:prstGeom prst="rect">
+            <a:avLst/>
+          </a:prstGeom>
+          <a:noFill/>
+        </p:spPr>
+        <p:txBody>
+          <a:bodyPr wrap="none" rtlCol="0">
+            <a:spAutoFit/>
+          </a:bodyPr>
+          <a:lstStyle/>
+          <a:p>
+            <a:pPr marL="342900" indent="-342900">
+              <a:buAutoNum type="arabicPeriod"/>
+            </a:pPr>
+            <a:r>
+              <a:rPr lang="ko-KR" altLang="en-US" dirty="0">
+                <a:latin typeface="Nanum Barun Gothic"/>
+              </a:rPr>
+              <a:t>입력된 언어를 특정 언어로 번역 하게 만들기</a:t>
+            </a:r>
+            <a:r>
+              <a:rPr lang="en-US" altLang="ko-KR" dirty="0">
+                <a:latin typeface="Nanum Barun Gothic"/>
+              </a:rPr>
+              <a:t>. </a:t>
+            </a:r>
+            <a:r>
+              <a:rPr lang="ko-KR" altLang="en-US" dirty="0">
+                <a:latin typeface="Nanum Barun Gothic"/>
+              </a:rPr>
+              <a:t>언어 코드는 </a:t>
+            </a:r>
+            <a:r>
+              <a:rPr lang="en-US" altLang="ko-KR" b="0" i="0" dirty="0">
+                <a:solidFill>
+                  <a:srgbClr val="111111"/>
+                </a:solidFill>
+                <a:effectLst/>
+                <a:highlight>
+                  <a:srgbClr val="FFFFFF"/>
+                </a:highlight>
+                <a:latin typeface="-apple-system"/>
+                <a:hlinkClick r:id="rId3"/>
+              </a:rPr>
+              <a:t>ISO 639-1 </a:t>
+            </a:r>
+            <a:r>
+              <a:rPr lang="ko-KR" altLang="en-US" b="0" i="0" dirty="0">
+                <a:solidFill>
+                  <a:srgbClr val="111111"/>
+                </a:solidFill>
+                <a:effectLst/>
+                <a:highlight>
+                  <a:srgbClr val="FFFFFF"/>
+                </a:highlight>
+                <a:latin typeface="-apple-system"/>
+              </a:rPr>
+              <a:t>표 참조</a:t>
+            </a:r>
+            <a:r>
+              <a:rPr lang="en-US" altLang="ko-KR" b="0" i="0" dirty="0">
+                <a:solidFill>
+                  <a:srgbClr val="111111"/>
+                </a:solidFill>
+                <a:effectLst/>
+                <a:highlight>
+                  <a:srgbClr val="FFFFFF"/>
+                </a:highlight>
+                <a:latin typeface="-apple-system"/>
+              </a:rPr>
+              <a:t>.</a:t>
+            </a:r>
+          </a:p>
+        </p:txBody>
+      </p:sp>
+    </p:spTree>
+    <p:extLst>
+      <p:ext uri="{BB962C8B-B14F-4D97-AF65-F5344CB8AC3E}">
+        <p14:creationId xmlns:p14="http://schemas.microsoft.com/office/powerpoint/2010/main" val="1029840847"/>
+      </p:ext>
+    </p:extLst>
+  </p:cSld>
+  <p:clrMapOvr>
+    <a:masterClrMapping/>
+  </p:clrMapOvr>
+</p:sld>
+</file>
+
+<file path=ppt/slides/slide6.xml><?xml version="1.0" encoding="utf-8"?>
+<p:sld xmlns:a="http://schemas.openxmlformats.org/drawingml/2006/main" xmlns:r="http://schemas.openxmlformats.org/officeDocument/2006/relationships" xmlns:p="http://schemas.openxmlformats.org/presentationml/2006/main">
+  <p:cSld>
+    <p:spTree>
+      <p:nvGrpSpPr>
+        <p:cNvPr id="1" name=""/>
+        <p:cNvGrpSpPr/>
+        <p:nvPr/>
+      </p:nvGrpSpPr>
+      <p:grpSpPr>
+        <a:xfrm>
+          <a:off x="0" y="0"/>
+          <a:ext cx="0" cy="0"/>
+          <a:chOff x="0" y="0"/>
+          <a:chExt cx="0" cy="0"/>
+        </a:xfrm>
+      </p:grpSpPr>
+      <p:sp>
+        <p:nvSpPr>
+          <p:cNvPr id="2" name="제목 1">
+            <a:extLst>
+              <a:ext uri="{FF2B5EF4-FFF2-40B4-BE49-F238E27FC236}">
+                <a16:creationId xmlns:a16="http://schemas.microsoft.com/office/drawing/2014/main" id="{31890308-3CB1-92A0-D986-932B45C23200}"/>
+              </a:ext>
+            </a:extLst>
+          </p:cNvPr>
+          <p:cNvSpPr>
+            <a:spLocks noGrp="1"/>
+          </p:cNvSpPr>
+          <p:nvPr>
+            <p:ph type="title"/>
+          </p:nvPr>
+        </p:nvSpPr>
+        <p:spPr>
+          <a:xfrm>
+            <a:off x="708870" y="427839"/>
+            <a:ext cx="5198770" cy="755009"/>
+          </a:xfrm>
+        </p:spPr>
+        <p:txBody>
+          <a:bodyPr>
+            <a:normAutofit/>
+          </a:bodyPr>
+          <a:lstStyle/>
+          <a:p>
+            <a:r>
+              <a:rPr lang="en-US" altLang="ko-KR" b="0" dirty="0" err="1">
+                <a:solidFill>
+                  <a:schemeClr val="tx1"/>
+                </a:solidFill>
+                <a:effectLst/>
+                <a:latin typeface="+mj-ea"/>
+              </a:rPr>
+              <a:t>DeepL</a:t>
+            </a:r>
+            <a:r>
+              <a:rPr lang="en-US" altLang="ko-KR" b="0" dirty="0">
+                <a:solidFill>
+                  <a:schemeClr val="tx1"/>
+                </a:solidFill>
+                <a:effectLst/>
+                <a:latin typeface="+mj-ea"/>
+              </a:rPr>
+              <a:t> Library </a:t>
+            </a:r>
+            <a:r>
+              <a:rPr lang="ko-KR" altLang="en-US" dirty="0">
+                <a:solidFill>
+                  <a:schemeClr val="tx1"/>
+                </a:solidFill>
+                <a:latin typeface="+mj-ea"/>
+              </a:rPr>
+              <a:t>예제</a:t>
+            </a:r>
+          </a:p>
+        </p:txBody>
+      </p:sp>
+      <p:sp>
+        <p:nvSpPr>
+          <p:cNvPr id="10" name="TextBox 9">
+            <a:extLst>
+              <a:ext uri="{FF2B5EF4-FFF2-40B4-BE49-F238E27FC236}">
+                <a16:creationId xmlns:a16="http://schemas.microsoft.com/office/drawing/2014/main" id="{2C3E3023-CA06-05FA-10CE-76EC3AC752D2}"/>
+              </a:ext>
+            </a:extLst>
+          </p:cNvPr>
+          <p:cNvSpPr txBox="1"/>
+          <p:nvPr/>
+        </p:nvSpPr>
+        <p:spPr>
+          <a:xfrm>
+            <a:off x="706773" y="1982450"/>
+            <a:ext cx="11485227" cy="2893100"/>
+          </a:xfrm>
+          <a:prstGeom prst="rect">
+            <a:avLst/>
+          </a:prstGeom>
+          <a:noFill/>
+        </p:spPr>
+        <p:txBody>
+          <a:bodyPr wrap="square">
+            <a:spAutoFit/>
+          </a:bodyPr>
+          <a:lstStyle/>
+          <a:p>
+            <a:r>
+              <a:rPr lang="en-US" altLang="ko-KR" sz="1400" b="0" dirty="0">
+                <a:effectLst/>
+                <a:latin typeface="Consolas" panose="020B0609020204030204" pitchFamily="49" charset="0"/>
+              </a:rPr>
+              <a:t>import </a:t>
+            </a:r>
+            <a:r>
+              <a:rPr lang="en-US" altLang="ko-KR" sz="1400" b="0" dirty="0" err="1">
+                <a:effectLst/>
+                <a:latin typeface="Consolas" panose="020B0609020204030204" pitchFamily="49" charset="0"/>
+              </a:rPr>
+              <a:t>deepl</a:t>
+            </a:r>
+            <a:endParaRPr lang="en-US" altLang="ko-KR" sz="1400" b="0" dirty="0">
+              <a:effectLst/>
+              <a:latin typeface="Consolas" panose="020B0609020204030204" pitchFamily="49" charset="0"/>
+            </a:endParaRPr>
+          </a:p>
+          <a:p>
+            <a:r>
+              <a:rPr lang="en-US" altLang="ko-KR" sz="1400" b="0" dirty="0">
+                <a:effectLst/>
+                <a:latin typeface="Consolas" panose="020B0609020204030204" pitchFamily="49" charset="0"/>
+              </a:rPr>
+              <a:t>import </a:t>
+            </a:r>
+            <a:r>
+              <a:rPr lang="en-US" altLang="ko-KR" sz="1400" b="0" dirty="0" err="1">
+                <a:effectLst/>
+                <a:latin typeface="Consolas" panose="020B0609020204030204" pitchFamily="49" charset="0"/>
+              </a:rPr>
+              <a:t>json</a:t>
+            </a:r>
+            <a:endParaRPr lang="en-US" altLang="ko-KR" sz="1400" b="0" dirty="0">
+              <a:effectLst/>
+              <a:latin typeface="Consolas" panose="020B0609020204030204" pitchFamily="49" charset="0"/>
+            </a:endParaRPr>
+          </a:p>
+          <a:p>
+            <a:br>
+              <a:rPr lang="en-US" altLang="ko-KR" sz="1400" b="0" dirty="0">
+                <a:effectLst/>
+                <a:latin typeface="Consolas" panose="020B0609020204030204" pitchFamily="49" charset="0"/>
+              </a:rPr>
+            </a:br>
+            <a:r>
+              <a:rPr lang="en-US" altLang="ko-KR" sz="1400" b="0" dirty="0">
+                <a:effectLst/>
+                <a:latin typeface="Consolas" panose="020B0609020204030204" pitchFamily="49" charset="0"/>
+              </a:rPr>
+              <a:t>Message = str(input("</a:t>
+            </a:r>
+            <a:r>
+              <a:rPr lang="ko-KR" altLang="en-US" sz="1400" b="0" dirty="0">
+                <a:effectLst/>
+                <a:latin typeface="Consolas" panose="020B0609020204030204" pitchFamily="49" charset="0"/>
+              </a:rPr>
+              <a:t>번역할 문자열을 입력해 주세요 </a:t>
+            </a:r>
+            <a:r>
+              <a:rPr lang="en-US" altLang="ko-KR" sz="1400" b="0" dirty="0">
+                <a:effectLst/>
+                <a:latin typeface="Consolas" panose="020B0609020204030204" pitchFamily="49" charset="0"/>
+              </a:rPr>
+              <a:t>: "))</a:t>
+            </a:r>
+          </a:p>
+          <a:p>
+            <a:r>
+              <a:rPr lang="en-US" altLang="ko-KR" sz="1400" b="0" dirty="0" err="1">
+                <a:effectLst/>
+                <a:latin typeface="Consolas" panose="020B0609020204030204" pitchFamily="49" charset="0"/>
+              </a:rPr>
+              <a:t>auth_key</a:t>
+            </a:r>
+            <a:r>
+              <a:rPr lang="en-US" altLang="ko-KR" sz="1400" b="0" dirty="0">
+                <a:effectLst/>
+                <a:latin typeface="Consolas" panose="020B0609020204030204" pitchFamily="49" charset="0"/>
+              </a:rPr>
+              <a:t> = "ba59a929-40d2-4d1b-99ed-170c538568d9:fx"</a:t>
+            </a:r>
+          </a:p>
+          <a:p>
+            <a:r>
+              <a:rPr lang="en-US" altLang="ko-KR" sz="1400" b="0" dirty="0">
+                <a:effectLst/>
+                <a:latin typeface="Consolas" panose="020B0609020204030204" pitchFamily="49" charset="0"/>
+              </a:rPr>
+              <a:t>translator = </a:t>
+            </a:r>
+            <a:r>
+              <a:rPr lang="en-US" altLang="ko-KR" sz="1400" b="0" dirty="0" err="1">
+                <a:effectLst/>
+                <a:latin typeface="Consolas" panose="020B0609020204030204" pitchFamily="49" charset="0"/>
+              </a:rPr>
+              <a:t>deepl.Translator</a:t>
+            </a:r>
+            <a:r>
+              <a:rPr lang="en-US" altLang="ko-KR" sz="1400" b="0" dirty="0">
+                <a:effectLst/>
+                <a:latin typeface="Consolas" panose="020B0609020204030204" pitchFamily="49" charset="0"/>
+              </a:rPr>
+              <a:t>(</a:t>
+            </a:r>
+            <a:r>
+              <a:rPr lang="en-US" altLang="ko-KR" sz="1400" b="0" dirty="0" err="1">
+                <a:effectLst/>
+                <a:latin typeface="Consolas" panose="020B0609020204030204" pitchFamily="49" charset="0"/>
+              </a:rPr>
+              <a:t>auth_key</a:t>
+            </a:r>
+            <a:r>
+              <a:rPr lang="en-US" altLang="ko-KR" sz="1400" b="0" dirty="0">
+                <a:effectLst/>
+                <a:latin typeface="Consolas" panose="020B0609020204030204" pitchFamily="49" charset="0"/>
+              </a:rPr>
+              <a:t>)</a:t>
+            </a:r>
+          </a:p>
+          <a:p>
+            <a:r>
+              <a:rPr lang="en-US" altLang="ko-KR" sz="1400" b="0" dirty="0">
+                <a:effectLst/>
+                <a:latin typeface="Consolas" panose="020B0609020204030204" pitchFamily="49" charset="0"/>
+              </a:rPr>
+              <a:t>result = </a:t>
+            </a:r>
+            <a:r>
+              <a:rPr lang="en-US" altLang="ko-KR" sz="1400" b="0" dirty="0" err="1">
+                <a:effectLst/>
+                <a:latin typeface="Consolas" panose="020B0609020204030204" pitchFamily="49" charset="0"/>
+              </a:rPr>
+              <a:t>translator.translate_text</a:t>
+            </a:r>
+            <a:r>
+              <a:rPr lang="en-US" altLang="ko-KR" sz="1400" b="0" dirty="0">
+                <a:effectLst/>
+                <a:latin typeface="Consolas" panose="020B0609020204030204" pitchFamily="49" charset="0"/>
+              </a:rPr>
+              <a:t>(Message, </a:t>
+            </a:r>
+            <a:r>
+              <a:rPr lang="en-US" altLang="ko-KR" sz="1400" b="0" dirty="0" err="1">
+                <a:effectLst/>
+                <a:latin typeface="Consolas" panose="020B0609020204030204" pitchFamily="49" charset="0"/>
+              </a:rPr>
+              <a:t>source_lang</a:t>
+            </a:r>
+            <a:r>
+              <a:rPr lang="en-US" altLang="ko-KR" sz="1400" b="0" dirty="0">
+                <a:effectLst/>
+                <a:latin typeface="Consolas" panose="020B0609020204030204" pitchFamily="49" charset="0"/>
+              </a:rPr>
+              <a:t>="",</a:t>
+            </a:r>
+            <a:r>
+              <a:rPr lang="en-US" altLang="ko-KR" sz="1400" b="0" dirty="0" err="1">
+                <a:effectLst/>
+                <a:latin typeface="Consolas" panose="020B0609020204030204" pitchFamily="49" charset="0"/>
+              </a:rPr>
+              <a:t>target_lang</a:t>
+            </a:r>
+            <a:r>
+              <a:rPr lang="en-US" altLang="ko-KR" sz="1400" b="0" dirty="0">
+                <a:effectLst/>
+                <a:latin typeface="Consolas" panose="020B0609020204030204" pitchFamily="49" charset="0"/>
+              </a:rPr>
+              <a:t>="EN")</a:t>
+            </a:r>
+          </a:p>
+          <a:p>
+            <a:r>
+              <a:rPr lang="en-US" altLang="ko-KR" sz="1400" b="0" dirty="0">
+                <a:effectLst/>
+                <a:latin typeface="Consolas" panose="020B0609020204030204" pitchFamily="49" charset="0"/>
+              </a:rPr>
+              <a:t>if </a:t>
+            </a:r>
+            <a:r>
+              <a:rPr lang="en-US" altLang="ko-KR" sz="1400" b="0" dirty="0" err="1">
+                <a:effectLst/>
+                <a:latin typeface="Consolas" panose="020B0609020204030204" pitchFamily="49" charset="0"/>
+              </a:rPr>
+              <a:t>result.status_code</a:t>
+            </a:r>
+            <a:r>
+              <a:rPr lang="en-US" altLang="ko-KR" sz="1400" b="0" dirty="0">
+                <a:effectLst/>
+                <a:latin typeface="Consolas" panose="020B0609020204030204" pitchFamily="49" charset="0"/>
+              </a:rPr>
+              <a:t> == 200:</a:t>
+            </a:r>
+          </a:p>
+          <a:p>
+            <a:r>
+              <a:rPr lang="en-US" altLang="ko-KR" sz="1400" b="0" dirty="0">
+                <a:effectLst/>
+                <a:latin typeface="Consolas" panose="020B0609020204030204" pitchFamily="49" charset="0"/>
+              </a:rPr>
+              <a:t>    text = </a:t>
+            </a:r>
+            <a:r>
+              <a:rPr lang="en-US" altLang="ko-KR" sz="1400" b="0" dirty="0" err="1">
+                <a:effectLst/>
+                <a:latin typeface="Consolas" panose="020B0609020204030204" pitchFamily="49" charset="0"/>
+              </a:rPr>
+              <a:t>result.text</a:t>
+            </a:r>
+            <a:r>
+              <a:rPr lang="en-US" altLang="ko-KR" sz="1400" b="0" dirty="0">
+                <a:effectLst/>
+                <a:latin typeface="Consolas" panose="020B0609020204030204" pitchFamily="49" charset="0"/>
+              </a:rPr>
+              <a:t> # </a:t>
+            </a:r>
+            <a:r>
+              <a:rPr lang="ko-KR" altLang="en-US" sz="1400" b="0" dirty="0">
+                <a:effectLst/>
+                <a:latin typeface="Consolas" panose="020B0609020204030204" pitchFamily="49" charset="0"/>
+              </a:rPr>
+              <a:t>번역 결과</a:t>
+            </a:r>
+          </a:p>
+          <a:p>
+            <a:r>
+              <a:rPr lang="ko-KR" altLang="en-US" sz="1400" b="0" dirty="0">
+                <a:effectLst/>
+                <a:latin typeface="Consolas" panose="020B0609020204030204" pitchFamily="49" charset="0"/>
+              </a:rPr>
+              <a:t>    </a:t>
+            </a:r>
+            <a:r>
+              <a:rPr lang="en-US" altLang="ko-KR" sz="1400" b="0" dirty="0">
+                <a:effectLst/>
+                <a:latin typeface="Consolas" panose="020B0609020204030204" pitchFamily="49" charset="0"/>
+              </a:rPr>
+              <a:t>detected = </a:t>
+            </a:r>
+            <a:r>
+              <a:rPr lang="en-US" altLang="ko-KR" sz="1400" b="0" dirty="0" err="1">
+                <a:effectLst/>
+                <a:latin typeface="Consolas" panose="020B0609020204030204" pitchFamily="49" charset="0"/>
+              </a:rPr>
+              <a:t>result.detected_source_language</a:t>
+            </a:r>
+            <a:r>
+              <a:rPr lang="en-US" altLang="ko-KR" sz="1400" b="0" dirty="0">
+                <a:effectLst/>
+                <a:latin typeface="Consolas" panose="020B0609020204030204" pitchFamily="49" charset="0"/>
+              </a:rPr>
+              <a:t> # </a:t>
+            </a:r>
+            <a:r>
+              <a:rPr lang="ko-KR" altLang="en-US" sz="1400" b="0" dirty="0">
+                <a:effectLst/>
+                <a:latin typeface="Consolas" panose="020B0609020204030204" pitchFamily="49" charset="0"/>
+              </a:rPr>
+              <a:t>감지된 언어</a:t>
+            </a:r>
+            <a:r>
+              <a:rPr lang="en-US" altLang="ko-KR" sz="1400" b="0" dirty="0">
+                <a:effectLst/>
+                <a:latin typeface="Consolas" panose="020B0609020204030204" pitchFamily="49" charset="0"/>
+              </a:rPr>
+              <a:t>.</a:t>
+            </a:r>
+            <a:endParaRPr lang="ko-KR" altLang="en-US" sz="1400" b="0" dirty="0">
+              <a:effectLst/>
+              <a:latin typeface="Consolas" panose="020B0609020204030204" pitchFamily="49" charset="0"/>
+            </a:endParaRPr>
+          </a:p>
+          <a:p>
+            <a:r>
+              <a:rPr lang="ko-KR" altLang="en-US" sz="1400" b="0" dirty="0">
+                <a:effectLst/>
+                <a:latin typeface="Consolas" panose="020B0609020204030204" pitchFamily="49" charset="0"/>
+              </a:rPr>
+              <a:t>    </a:t>
+            </a:r>
+            <a:r>
+              <a:rPr lang="en-US" altLang="ko-KR" sz="1400" b="0" dirty="0">
+                <a:effectLst/>
+                <a:latin typeface="Consolas" panose="020B0609020204030204" pitchFamily="49" charset="0"/>
+              </a:rPr>
+              <a:t>print(f'</a:t>
+            </a:r>
+            <a:r>
+              <a:rPr lang="ko-KR" altLang="en-US" sz="1400" b="0" dirty="0">
+                <a:effectLst/>
+                <a:latin typeface="Consolas" panose="020B0609020204030204" pitchFamily="49" charset="0"/>
+              </a:rPr>
+              <a:t>번역할 언어</a:t>
+            </a:r>
+            <a:r>
+              <a:rPr lang="en-US" altLang="ko-KR" sz="1400" b="0" dirty="0">
+                <a:effectLst/>
+                <a:latin typeface="Consolas" panose="020B0609020204030204" pitchFamily="49" charset="0"/>
+              </a:rPr>
+              <a:t>({detected}) : {Message} -&gt; </a:t>
+            </a:r>
+            <a:r>
+              <a:rPr lang="ko-KR" altLang="en-US" sz="1400" b="0" dirty="0">
+                <a:effectLst/>
+                <a:latin typeface="Consolas" panose="020B0609020204030204" pitchFamily="49" charset="0"/>
+              </a:rPr>
+              <a:t>번역 결과 </a:t>
+            </a:r>
+            <a:r>
+              <a:rPr lang="en-US" altLang="ko-KR" sz="1400" b="0" dirty="0">
+                <a:effectLst/>
+                <a:latin typeface="Consolas" panose="020B0609020204030204" pitchFamily="49" charset="0"/>
+              </a:rPr>
+              <a:t>: {text} ')</a:t>
+            </a:r>
+          </a:p>
+          <a:p>
+            <a:r>
+              <a:rPr lang="en-US" altLang="ko-KR" sz="1400" b="0" dirty="0">
+                <a:effectLst/>
+                <a:latin typeface="Consolas" panose="020B0609020204030204" pitchFamily="49" charset="0"/>
+              </a:rPr>
+              <a:t>else:</a:t>
+            </a:r>
+          </a:p>
+          <a:p>
+            <a:r>
+              <a:rPr lang="en-US" altLang="ko-KR" sz="1400" b="0" dirty="0">
+                <a:effectLst/>
+                <a:latin typeface="Consolas" panose="020B0609020204030204" pitchFamily="49" charset="0"/>
+              </a:rPr>
+              <a:t>    print(f"</a:t>
+            </a:r>
+            <a:r>
+              <a:rPr lang="ko-KR" altLang="en-US" sz="1400" b="0" dirty="0">
+                <a:effectLst/>
+                <a:latin typeface="Consolas" panose="020B0609020204030204" pitchFamily="49" charset="0"/>
+              </a:rPr>
+              <a:t>요청 처리에 실패했습니다</a:t>
+            </a:r>
+            <a:r>
+              <a:rPr lang="en-US" altLang="ko-KR" sz="1400" b="0" dirty="0">
+                <a:effectLst/>
+                <a:latin typeface="Consolas" panose="020B0609020204030204" pitchFamily="49" charset="0"/>
+              </a:rPr>
+              <a:t>. </a:t>
+            </a:r>
+            <a:r>
+              <a:rPr lang="ko-KR" altLang="en-US" sz="1400" b="0" dirty="0">
+                <a:effectLst/>
+                <a:latin typeface="Consolas" panose="020B0609020204030204" pitchFamily="49" charset="0"/>
+              </a:rPr>
+              <a:t>상태 코드</a:t>
+            </a:r>
+            <a:r>
+              <a:rPr lang="en-US" altLang="ko-KR" sz="1400" b="0" dirty="0">
+                <a:effectLst/>
+                <a:latin typeface="Consolas" panose="020B0609020204030204" pitchFamily="49" charset="0"/>
+              </a:rPr>
+              <a:t>: {</a:t>
+            </a:r>
+            <a:r>
+              <a:rPr lang="en-US" altLang="ko-KR" sz="1400" b="0" dirty="0" err="1">
+                <a:effectLst/>
+                <a:latin typeface="Consolas" panose="020B0609020204030204" pitchFamily="49" charset="0"/>
+              </a:rPr>
+              <a:t>result.status_code</a:t>
+            </a:r>
+            <a:r>
+              <a:rPr lang="en-US" altLang="ko-KR" sz="1400" b="0" dirty="0">
+                <a:effectLst/>
+                <a:latin typeface="Consolas" panose="020B0609020204030204" pitchFamily="49" charset="0"/>
+              </a:rPr>
+              <a:t>}")</a:t>
+            </a:r>
+          </a:p>
+        </p:txBody>
+      </p:sp>
+    </p:spTree>
+    <p:extLst>
+      <p:ext uri="{BB962C8B-B14F-4D97-AF65-F5344CB8AC3E}">
+        <p14:creationId xmlns:p14="http://schemas.microsoft.com/office/powerpoint/2010/main" val="3496161265"/>
+      </p:ext>
+    </p:extLst>
+  </p:cSld>
+  <p:clrMapOvr>
+    <a:masterClrMapping/>
+  </p:clrMapOvr>
+</p:sld>
+</file>
+
+<file path=ppt/slides/slide7.xml><?xml version="1.0" encoding="utf-8"?>
+<p:sld xmlns:a="http://schemas.openxmlformats.org/drawingml/2006/main" xmlns:r="http://schemas.openxmlformats.org/officeDocument/2006/relationships" xmlns:p="http://schemas.openxmlformats.org/presentationml/2006/main">
+  <p:cSld>
+    <p:spTree>
+      <p:nvGrpSpPr>
+        <p:cNvPr id="1" name=""/>
+        <p:cNvGrpSpPr/>
+        <p:nvPr/>
+      </p:nvGrpSpPr>
+      <p:grpSpPr>
+        <a:xfrm>
+          <a:off x="0" y="0"/>
+          <a:ext cx="0" cy="0"/>
+          <a:chOff x="0" y="0"/>
+          <a:chExt cx="0" cy="0"/>
+        </a:xfrm>
+      </p:grpSpPr>
+      <p:pic>
+        <p:nvPicPr>
+          <p:cNvPr id="16" name="그림 15">
+            <a:extLst>
+              <a:ext uri="{FF2B5EF4-FFF2-40B4-BE49-F238E27FC236}">
+                <a16:creationId xmlns:a16="http://schemas.microsoft.com/office/drawing/2014/main" id="{2528A8EE-08E6-C414-BF4E-049ADAE6969C}"/>
+              </a:ext>
+            </a:extLst>
+          </p:cNvPr>
+          <p:cNvPicPr>
+            <a:picLocks noChangeAspect="1"/>
+          </p:cNvPicPr>
+          <p:nvPr/>
+        </p:nvPicPr>
+        <p:blipFill>
+          <a:blip r:embed="rId2"/>
+          <a:stretch>
+            <a:fillRect/>
+          </a:stretch>
+        </p:blipFill>
+        <p:spPr>
+          <a:xfrm>
+            <a:off x="7030345" y="3683291"/>
+            <a:ext cx="2902676" cy="1869264"/>
+          </a:xfrm>
+          <a:prstGeom prst="rect">
+            <a:avLst/>
+          </a:prstGeom>
+        </p:spPr>
+      </p:pic>
+      <p:pic>
+        <p:nvPicPr>
+          <p:cNvPr id="13" name="그림 12">
+            <a:extLst>
+              <a:ext uri="{FF2B5EF4-FFF2-40B4-BE49-F238E27FC236}">
+                <a16:creationId xmlns:a16="http://schemas.microsoft.com/office/drawing/2014/main" id="{CF79BDA4-362A-94FE-364C-1A71CB2DD316}"/>
               </a:ext>
             </a:extLst>
           </p:cNvPr>
@@ -4730,14 +5661,91 @@
         </p:blipFill>
         <p:spPr>
           <a:xfrm>
-            <a:off x="5581113" y="1627987"/>
-            <a:ext cx="2902676" cy="1869264"/>
+            <a:off x="7030346" y="1623103"/>
+            <a:ext cx="2902676" cy="1856184"/>
           </a:xfrm>
           <a:prstGeom prst="rect">
             <a:avLst/>
           </a:prstGeom>
         </p:spPr>
       </p:pic>
+      <p:pic>
+        <p:nvPicPr>
+          <p:cNvPr id="11" name="그림 10">
+            <a:extLst>
+              <a:ext uri="{FF2B5EF4-FFF2-40B4-BE49-F238E27FC236}">
+                <a16:creationId xmlns:a16="http://schemas.microsoft.com/office/drawing/2014/main" id="{49B33FB0-98E7-24AC-AB7F-0576514608A4}"/>
+              </a:ext>
+            </a:extLst>
+          </p:cNvPr>
+          <p:cNvPicPr>
+            <a:picLocks noChangeAspect="1"/>
+          </p:cNvPicPr>
+          <p:nvPr/>
+        </p:nvPicPr>
+        <p:blipFill>
+          <a:blip r:embed="rId4"/>
+          <a:stretch>
+            <a:fillRect/>
+          </a:stretch>
+        </p:blipFill>
+        <p:spPr>
+          <a:xfrm>
+            <a:off x="1408086" y="2684739"/>
+            <a:ext cx="2902676" cy="1869263"/>
+          </a:xfrm>
+          <a:prstGeom prst="rect">
+            <a:avLst/>
+          </a:prstGeom>
+        </p:spPr>
+      </p:pic>
+      <p:sp>
+        <p:nvSpPr>
+          <p:cNvPr id="2" name="제목 1">
+            <a:extLst>
+              <a:ext uri="{FF2B5EF4-FFF2-40B4-BE49-F238E27FC236}">
+                <a16:creationId xmlns:a16="http://schemas.microsoft.com/office/drawing/2014/main" id="{31890308-3CB1-92A0-D986-932B45C23200}"/>
+              </a:ext>
+            </a:extLst>
+          </p:cNvPr>
+          <p:cNvSpPr>
+            <a:spLocks noGrp="1"/>
+          </p:cNvSpPr>
+          <p:nvPr>
+            <p:ph type="title"/>
+          </p:nvPr>
+        </p:nvSpPr>
+        <p:spPr>
+          <a:xfrm>
+            <a:off x="708869" y="427839"/>
+            <a:ext cx="5465427" cy="755009"/>
+          </a:xfrm>
+        </p:spPr>
+        <p:txBody>
+          <a:bodyPr>
+            <a:normAutofit fontScale="90000"/>
+          </a:bodyPr>
+          <a:lstStyle/>
+          <a:p>
+            <a:r>
+              <a:rPr lang="en-US" altLang="ko-KR" b="0" dirty="0" err="1">
+                <a:solidFill>
+                  <a:schemeClr val="tx1"/>
+                </a:solidFill>
+                <a:effectLst/>
+                <a:latin typeface="+mj-ea"/>
+              </a:rPr>
+              <a:t>DeepL</a:t>
+            </a:r>
+            <a:r>
+              <a:rPr lang="ko-KR" altLang="en-US" dirty="0">
+                <a:latin typeface="+mj-ea"/>
+              </a:rPr>
+              <a:t>  번역기 만들기</a:t>
+            </a:r>
+          </a:p>
+        </p:txBody>
+      </p:sp>
       <p:cxnSp>
         <p:nvCxnSpPr>
           <p:cNvPr id="9" name="직선 화살표 연결선 8">
@@ -4749,15 +5757,14 @@
           </p:cNvPr>
           <p:cNvCxnSpPr>
             <a:cxnSpLocks/>
-            <a:stCxn id="5" idx="3"/>
-            <a:endCxn id="7" idx="1"/>
+            <a:endCxn id="13" idx="1"/>
           </p:cNvCxnSpPr>
           <p:nvPr/>
         </p:nvCxnSpPr>
         <p:spPr>
           <a:xfrm flipV="1">
-            <a:off x="4310762" y="2562619"/>
-            <a:ext cx="1270351" cy="1056752"/>
+            <a:off x="4310762" y="2551195"/>
+            <a:ext cx="2719584" cy="1068176"/>
           </a:xfrm>
           <a:prstGeom prst="straightConnector1">
             <a:avLst/>
@@ -4765,6 +5772,233 @@
           <a:ln>
             <a:solidFill>
               <a:srgbClr val="FF0000"/>
+            </a:solidFill>
+            <a:tailEnd type="triangle"/>
+          </a:ln>
+        </p:spPr>
+        <p:style>
+          <a:lnRef idx="1">
+            <a:schemeClr val="accent1"/>
+          </a:lnRef>
+          <a:fillRef idx="0">
+            <a:schemeClr val="accent1"/>
+          </a:fillRef>
+          <a:effectRef idx="0">
+            <a:schemeClr val="accent1"/>
+          </a:effectRef>
+          <a:fontRef idx="minor">
+            <a:schemeClr val="tx1"/>
+          </a:fontRef>
+        </p:style>
+      </p:cxnSp>
+      <p:cxnSp>
+        <p:nvCxnSpPr>
+          <p:cNvPr id="21" name="직선 화살표 연결선 20">
+            <a:extLst>
+              <a:ext uri="{FF2B5EF4-FFF2-40B4-BE49-F238E27FC236}">
+                <a16:creationId xmlns:a16="http://schemas.microsoft.com/office/drawing/2014/main" id="{6A4DD241-CA9B-043A-9588-847BBD0BC8E4}"/>
+              </a:ext>
+            </a:extLst>
+          </p:cNvPr>
+          <p:cNvCxnSpPr>
+            <a:cxnSpLocks/>
+            <a:endCxn id="16" idx="1"/>
+          </p:cNvCxnSpPr>
+          <p:nvPr/>
+        </p:nvCxnSpPr>
+        <p:spPr>
+          <a:xfrm>
+            <a:off x="4310762" y="3619371"/>
+            <a:ext cx="2719583" cy="998552"/>
+          </a:xfrm>
+          <a:prstGeom prst="straightConnector1">
+            <a:avLst/>
+          </a:prstGeom>
+          <a:ln>
+            <a:solidFill>
+              <a:srgbClr val="FF0000"/>
+            </a:solidFill>
+            <a:tailEnd type="triangle"/>
+          </a:ln>
+        </p:spPr>
+        <p:style>
+          <a:lnRef idx="1">
+            <a:schemeClr val="accent1"/>
+          </a:lnRef>
+          <a:fillRef idx="0">
+            <a:schemeClr val="accent1"/>
+          </a:fillRef>
+          <a:effectRef idx="0">
+            <a:schemeClr val="accent1"/>
+          </a:effectRef>
+          <a:fontRef idx="minor">
+            <a:schemeClr val="tx1"/>
+          </a:fontRef>
+        </p:style>
+      </p:cxnSp>
+      <p:sp>
+        <p:nvSpPr>
+          <p:cNvPr id="3" name="TextBox 2">
+            <a:extLst>
+              <a:ext uri="{FF2B5EF4-FFF2-40B4-BE49-F238E27FC236}">
+                <a16:creationId xmlns:a16="http://schemas.microsoft.com/office/drawing/2014/main" id="{FD42283D-6C67-C44D-575B-1236E84B90EF}"/>
+              </a:ext>
+            </a:extLst>
+          </p:cNvPr>
+          <p:cNvSpPr txBox="1"/>
+          <p:nvPr/>
+        </p:nvSpPr>
+        <p:spPr>
+          <a:xfrm>
+            <a:off x="841271" y="1716380"/>
+            <a:ext cx="4362092" cy="523220"/>
+          </a:xfrm>
+          <a:prstGeom prst="rect">
+            <a:avLst/>
+          </a:prstGeom>
+          <a:noFill/>
+        </p:spPr>
+        <p:txBody>
+          <a:bodyPr wrap="none" rtlCol="0">
+            <a:spAutoFit/>
+          </a:bodyPr>
+          <a:lstStyle/>
+          <a:p>
+            <a:pPr marL="342900" indent="-342900">
+              <a:buAutoNum type="arabicPeriod"/>
+            </a:pPr>
+            <a:r>
+              <a:rPr lang="ko-KR" altLang="en-US" sz="1400" i="0" dirty="0">
+                <a:effectLst/>
+                <a:latin typeface="Nanum Barun Gothic"/>
+              </a:rPr>
+              <a:t>아래와 같이 동작 하는 애플리케이션 만들어 보기</a:t>
+            </a:r>
+            <a:endParaRPr lang="en-US" altLang="ko-KR" sz="1400" i="0" dirty="0">
+              <a:effectLst/>
+              <a:latin typeface="Nanum Barun Gothic"/>
+            </a:endParaRPr>
+          </a:p>
+          <a:p>
+            <a:pPr marL="342900" indent="-342900">
+              <a:buAutoNum type="arabicPeriod"/>
+            </a:pPr>
+            <a:r>
+              <a:rPr lang="en-US" altLang="ko-KR" sz="1400" dirty="0">
+                <a:latin typeface="Nanum Barun Gothic"/>
+              </a:rPr>
+              <a:t>Ex. </a:t>
+            </a:r>
+            <a:r>
+              <a:rPr lang="ko-KR" altLang="en-US" sz="1400" dirty="0">
+                <a:latin typeface="Nanum Barun Gothic"/>
+              </a:rPr>
+              <a:t>이전장의 </a:t>
+            </a:r>
+            <a:r>
+              <a:rPr lang="en-US" altLang="ko-KR" sz="1400" dirty="0">
+                <a:latin typeface="Nanum Barun Gothic"/>
+              </a:rPr>
+              <a:t>API </a:t>
+            </a:r>
+            <a:r>
+              <a:rPr lang="ko-KR" altLang="en-US" sz="1400" dirty="0">
+                <a:latin typeface="Nanum Barun Gothic"/>
+              </a:rPr>
+              <a:t>테스트 예제를 참고 </a:t>
+            </a:r>
+            <a:r>
+              <a:rPr lang="ko-KR" altLang="en-US" sz="1400" dirty="0" err="1">
+                <a:latin typeface="Nanum Barun Gothic"/>
+              </a:rPr>
+              <a:t>할것</a:t>
+            </a:r>
+            <a:endParaRPr lang="en-US" altLang="ko-KR" sz="1400" i="0" dirty="0">
+              <a:effectLst/>
+              <a:latin typeface="Nanum Barun Gothic"/>
+            </a:endParaRPr>
+          </a:p>
+        </p:txBody>
+      </p:sp>
+      <p:sp>
+        <p:nvSpPr>
+          <p:cNvPr id="17" name="사각형: 둥근 모서리 16">
+            <a:extLst>
+              <a:ext uri="{FF2B5EF4-FFF2-40B4-BE49-F238E27FC236}">
+                <a16:creationId xmlns:a16="http://schemas.microsoft.com/office/drawing/2014/main" id="{DB494E69-C786-9964-9E60-5AB791C55289}"/>
+              </a:ext>
+            </a:extLst>
+          </p:cNvPr>
+          <p:cNvSpPr/>
+          <p:nvPr/>
+        </p:nvSpPr>
+        <p:spPr>
+          <a:xfrm>
+            <a:off x="2130725" y="4364967"/>
+            <a:ext cx="2180037" cy="189036"/>
+          </a:xfrm>
+          <a:prstGeom prst="roundRect">
+            <a:avLst/>
+          </a:prstGeom>
+          <a:noFill/>
+          <a:ln w="9525">
+            <a:solidFill>
+              <a:srgbClr val="00B0F0"/>
+            </a:solidFill>
+          </a:ln>
+        </p:spPr>
+        <p:style>
+          <a:lnRef idx="2">
+            <a:schemeClr val="accent1">
+              <a:shade val="15000"/>
+            </a:schemeClr>
+          </a:lnRef>
+          <a:fillRef idx="1">
+            <a:schemeClr val="accent1"/>
+          </a:fillRef>
+          <a:effectRef idx="0">
+            <a:schemeClr val="accent1"/>
+          </a:effectRef>
+          <a:fontRef idx="minor">
+            <a:schemeClr val="lt1"/>
+          </a:fontRef>
+        </p:style>
+        <p:txBody>
+          <a:bodyPr rtlCol="0" anchor="ctr"/>
+          <a:lstStyle/>
+          <a:p>
+            <a:pPr algn="ctr"/>
+            <a:endParaRPr lang="ko-KR" altLang="en-US"/>
+          </a:p>
+        </p:txBody>
+      </p:sp>
+      <p:cxnSp>
+        <p:nvCxnSpPr>
+          <p:cNvPr id="19" name="직선 화살표 연결선 18">
+            <a:extLst>
+              <a:ext uri="{FF2B5EF4-FFF2-40B4-BE49-F238E27FC236}">
+                <a16:creationId xmlns:a16="http://schemas.microsoft.com/office/drawing/2014/main" id="{0A129631-CEF9-59EB-A156-109C3071AA09}"/>
+              </a:ext>
+            </a:extLst>
+          </p:cNvPr>
+          <p:cNvCxnSpPr>
+            <a:cxnSpLocks/>
+            <a:stCxn id="17" idx="2"/>
+            <a:endCxn id="22" idx="1"/>
+          </p:cNvCxnSpPr>
+          <p:nvPr/>
+        </p:nvCxnSpPr>
+        <p:spPr>
+          <a:xfrm>
+            <a:off x="3220744" y="4554003"/>
+            <a:ext cx="531281" cy="1074715"/>
+          </a:xfrm>
+          <a:prstGeom prst="straightConnector1">
+            <a:avLst/>
+          </a:prstGeom>
+          <a:ln>
+            <a:solidFill>
+              <a:srgbClr val="00B0F0"/>
             </a:solidFill>
             <a:tailEnd type="triangle"/>
           </a:ln>
@@ -4786,85 +6020,10 @@
       </p:cxnSp>
       <p:pic>
         <p:nvPicPr>
-          <p:cNvPr id="14" name="그림 13">
+          <p:cNvPr id="22" name="그림 21">
             <a:extLst>
               <a:ext uri="{FF2B5EF4-FFF2-40B4-BE49-F238E27FC236}">
-                <a16:creationId xmlns:a16="http://schemas.microsoft.com/office/drawing/2014/main" id="{A2EC672C-1B5E-4615-B717-D047B8BA7972}"/>
-              </a:ext>
-            </a:extLst>
-          </p:cNvPr>
-          <p:cNvPicPr>
-            <a:picLocks noChangeAspect="1"/>
-          </p:cNvPicPr>
-          <p:nvPr/>
-        </p:nvPicPr>
-        <p:blipFill>
-          <a:blip r:embed="rId4"/>
-          <a:stretch>
-            <a:fillRect/>
-          </a:stretch>
-        </p:blipFill>
-        <p:spPr>
-          <a:xfrm>
-            <a:off x="5581113" y="3683291"/>
-            <a:ext cx="2902676" cy="1869264"/>
-          </a:xfrm>
-          <a:prstGeom prst="rect">
-            <a:avLst/>
-          </a:prstGeom>
-        </p:spPr>
-      </p:pic>
-      <p:cxnSp>
-        <p:nvCxnSpPr>
-          <p:cNvPr id="21" name="직선 화살표 연결선 20">
-            <a:extLst>
-              <a:ext uri="{FF2B5EF4-FFF2-40B4-BE49-F238E27FC236}">
-                <a16:creationId xmlns:a16="http://schemas.microsoft.com/office/drawing/2014/main" id="{6A4DD241-CA9B-043A-9588-847BBD0BC8E4}"/>
-              </a:ext>
-            </a:extLst>
-          </p:cNvPr>
-          <p:cNvCxnSpPr>
-            <a:stCxn id="5" idx="3"/>
-            <a:endCxn id="14" idx="1"/>
-          </p:cNvCxnSpPr>
-          <p:nvPr/>
-        </p:nvCxnSpPr>
-        <p:spPr>
-          <a:xfrm>
-            <a:off x="4310762" y="3619371"/>
-            <a:ext cx="1270351" cy="998552"/>
-          </a:xfrm>
-          <a:prstGeom prst="straightConnector1">
-            <a:avLst/>
-          </a:prstGeom>
-          <a:ln>
-            <a:solidFill>
-              <a:srgbClr val="FF0000"/>
-            </a:solidFill>
-            <a:tailEnd type="triangle"/>
-          </a:ln>
-        </p:spPr>
-        <p:style>
-          <a:lnRef idx="1">
-            <a:schemeClr val="accent1"/>
-          </a:lnRef>
-          <a:fillRef idx="0">
-            <a:schemeClr val="accent1"/>
-          </a:fillRef>
-          <a:effectRef idx="0">
-            <a:schemeClr val="accent1"/>
-          </a:effectRef>
-          <a:fontRef idx="minor">
-            <a:schemeClr val="tx1"/>
-          </a:fontRef>
-        </p:style>
-      </p:cxnSp>
-      <p:pic>
-        <p:nvPicPr>
-          <p:cNvPr id="33" name="그림 32">
-            <a:extLst>
-              <a:ext uri="{FF2B5EF4-FFF2-40B4-BE49-F238E27FC236}">
-                <a16:creationId xmlns:a16="http://schemas.microsoft.com/office/drawing/2014/main" id="{2045ACEB-994D-C681-13D8-ED026BEE3CA9}"/>
+                <a16:creationId xmlns:a16="http://schemas.microsoft.com/office/drawing/2014/main" id="{7430CF3B-C930-0BA9-AA80-586699791864}"/>
               </a:ext>
             </a:extLst>
           </p:cNvPr>
@@ -4881,98 +6040,14 @@
         </p:blipFill>
         <p:spPr>
           <a:xfrm>
-            <a:off x="9092402" y="2755199"/>
-            <a:ext cx="2902676" cy="1856184"/>
+            <a:off x="3752025" y="4694086"/>
+            <a:ext cx="2902676" cy="1869264"/>
           </a:xfrm>
           <a:prstGeom prst="rect">
             <a:avLst/>
           </a:prstGeom>
         </p:spPr>
       </p:pic>
-      <p:sp>
-        <p:nvSpPr>
-          <p:cNvPr id="3" name="TextBox 2">
-            <a:extLst>
-              <a:ext uri="{FF2B5EF4-FFF2-40B4-BE49-F238E27FC236}">
-                <a16:creationId xmlns:a16="http://schemas.microsoft.com/office/drawing/2014/main" id="{FD42283D-6C67-C44D-575B-1236E84B90EF}"/>
-              </a:ext>
-            </a:extLst>
-          </p:cNvPr>
-          <p:cNvSpPr txBox="1"/>
-          <p:nvPr/>
-        </p:nvSpPr>
-        <p:spPr>
-          <a:xfrm>
-            <a:off x="841271" y="1716380"/>
-            <a:ext cx="4362092" cy="523220"/>
-          </a:xfrm>
-          <a:prstGeom prst="rect">
-            <a:avLst/>
-          </a:prstGeom>
-          <a:noFill/>
-        </p:spPr>
-        <p:txBody>
-          <a:bodyPr wrap="none" rtlCol="0">
-            <a:spAutoFit/>
-          </a:bodyPr>
-          <a:lstStyle/>
-          <a:p>
-            <a:pPr marL="342900" indent="-342900">
-              <a:buAutoNum type="arabicPeriod"/>
-            </a:pPr>
-            <a:r>
-              <a:rPr lang="ko-KR" altLang="en-US" sz="1400" i="0" dirty="0">
-                <a:effectLst/>
-                <a:latin typeface="Nanum Barun Gothic"/>
-              </a:rPr>
-              <a:t>아래와 같이 동작 하는 애플리케이션 만들어 보기</a:t>
-            </a:r>
-            <a:endParaRPr lang="en-US" altLang="ko-KR" sz="1400" i="0" dirty="0">
-              <a:effectLst/>
-              <a:latin typeface="Nanum Barun Gothic"/>
-            </a:endParaRPr>
-          </a:p>
-          <a:p>
-            <a:pPr marL="342900" indent="-342900">
-              <a:buAutoNum type="arabicPeriod"/>
-            </a:pPr>
-            <a:r>
-              <a:rPr lang="en-US" altLang="ko-KR" sz="1400" dirty="0">
-                <a:latin typeface="Nanum Barun Gothic"/>
-              </a:rPr>
-              <a:t>Ex. </a:t>
-            </a:r>
-            <a:r>
-              <a:rPr lang="ko-KR" altLang="en-US" sz="1400" dirty="0">
-                <a:latin typeface="Nanum Barun Gothic"/>
-              </a:rPr>
-              <a:t>이전장의 </a:t>
-            </a:r>
-            <a:r>
-              <a:rPr lang="en-US" altLang="ko-KR" sz="1400" dirty="0">
-                <a:latin typeface="Nanum Barun Gothic"/>
-              </a:rPr>
-              <a:t>API </a:t>
-            </a:r>
-            <a:r>
-              <a:rPr lang="ko-KR" altLang="en-US" sz="1400" dirty="0">
-                <a:latin typeface="Nanum Barun Gothic"/>
-              </a:rPr>
-              <a:t>테스트 예제를 참고 </a:t>
-            </a:r>
-            <a:r>
-              <a:rPr lang="ko-KR" altLang="en-US" sz="1400" dirty="0" err="1">
-                <a:latin typeface="Nanum Barun Gothic"/>
-              </a:rPr>
-              <a:t>할것</a:t>
-            </a:r>
-            <a:endParaRPr lang="en-US" altLang="ko-KR" sz="1400" i="0" dirty="0">
-              <a:effectLst/>
-              <a:latin typeface="Nanum Barun Gothic"/>
-            </a:endParaRPr>
-          </a:p>
-        </p:txBody>
-      </p:sp>
     </p:spTree>
     <p:extLst>
       <p:ext uri="{BB962C8B-B14F-4D97-AF65-F5344CB8AC3E}">
